--- a/Projekt_Hyperion-Laczkó_Dávid.pptx
+++ b/Projekt_Hyperion-Laczkó_Dávid.pptx
@@ -29,25 +29,25 @@
   <p:notesSz cx="6858000" cy="9144000"/>
   <p:embeddedFontLst>
     <p:embeddedFont>
-      <p:font typeface="IBM Plex Mono" panose="020B0604020202020204" charset="-18"/>
+      <p:font typeface="IBM Plex Mono Medium" panose="020B0604020202020204" charset="-18"/>
       <p:regular r:id="rId19"/>
       <p:bold r:id="rId20"/>
       <p:italic r:id="rId21"/>
       <p:boldItalic r:id="rId22"/>
     </p:embeddedFont>
     <p:embeddedFont>
-      <p:font typeface="Bebas Neue" panose="020B0604020202020204" charset="-18"/>
+      <p:font typeface="Roboto" panose="020B0604020202020204" charset="0"/>
       <p:regular r:id="rId23"/>
+      <p:bold r:id="rId24"/>
+      <p:italic r:id="rId25"/>
+      <p:boldItalic r:id="rId26"/>
     </p:embeddedFont>
     <p:embeddedFont>
-      <p:font typeface="Roboto" panose="020B0604020202020204" charset="0"/>
-      <p:regular r:id="rId24"/>
-      <p:bold r:id="rId25"/>
-      <p:italic r:id="rId26"/>
-      <p:boldItalic r:id="rId27"/>
+      <p:font typeface="Bebas Neue" panose="020B0604020202020204" charset="-18"/>
+      <p:regular r:id="rId27"/>
     </p:embeddedFont>
     <p:embeddedFont>
-      <p:font typeface="IBM Plex Mono Medium" panose="020B0604020202020204" charset="-18"/>
+      <p:font typeface="IBM Plex Mono" panose="020B0604020202020204" charset="-18"/>
       <p:regular r:id="rId28"/>
       <p:bold r:id="rId29"/>
       <p:italic r:id="rId30"/>
@@ -390,6 +390,11 @@
               </a:ln>
               <a:effectLst/>
             </c:spPr>
+            <c:extLst>
+              <c:ext xmlns:c16="http://schemas.microsoft.com/office/drawing/2014/chart" uri="{C3380CC4-5D6E-409C-BE32-E72D297353CC}">
+                <c16:uniqueId val="{00000001-0B21-4E36-844E-AC485E0C021E}"/>
+              </c:ext>
+            </c:extLst>
           </c:dPt>
           <c:dPt>
             <c:idx val="1"/>
@@ -425,6 +430,11 @@
               </a:ln>
               <a:effectLst/>
             </c:spPr>
+            <c:extLst>
+              <c:ext xmlns:c16="http://schemas.microsoft.com/office/drawing/2014/chart" uri="{C3380CC4-5D6E-409C-BE32-E72D297353CC}">
+                <c16:uniqueId val="{00000005-0B21-4E36-844E-AC485E0C021E}"/>
+              </c:ext>
+            </c:extLst>
           </c:dPt>
           <c:dPt>
             <c:idx val="3"/>
@@ -442,6 +452,11 @@
               </a:ln>
               <a:effectLst/>
             </c:spPr>
+            <c:extLst>
+              <c:ext xmlns:c16="http://schemas.microsoft.com/office/drawing/2014/chart" uri="{C3380CC4-5D6E-409C-BE32-E72D297353CC}">
+                <c16:uniqueId val="{00000007-0B21-4E36-844E-AC485E0C021E}"/>
+              </c:ext>
+            </c:extLst>
           </c:dPt>
           <c:cat>
             <c:numRef>
@@ -14649,7 +14664,15 @@
           <a:p>
             <a:r>
               <a:rPr lang="hu-HU" dirty="0"/>
-              <a:t>Az én munkám az 3. héten</a:t>
+              <a:t>Az én munkám </a:t>
+            </a:r>
+            <a:r>
+              <a:rPr lang="hu-HU" dirty="0" smtClean="0"/>
+              <a:t>a </a:t>
+            </a:r>
+            <a:r>
+              <a:rPr lang="hu-HU" dirty="0"/>
+              <a:t>3. héten</a:t>
             </a:r>
           </a:p>
         </p:txBody>
@@ -15111,7 +15134,15 @@
             </a:pPr>
             <a:r>
               <a:rPr lang="hu-HU" dirty="0"/>
-              <a:t>Projekt állapota az 4. héten</a:t>
+              <a:t>Projekt állapota </a:t>
+            </a:r>
+            <a:r>
+              <a:rPr lang="hu-HU" dirty="0" smtClean="0"/>
+              <a:t>a </a:t>
+            </a:r>
+            <a:r>
+              <a:rPr lang="hu-HU" dirty="0"/>
+              <a:t>4. héten</a:t>
             </a:r>
             <a:endParaRPr dirty="0"/>
           </a:p>
@@ -15157,6 +15188,13 @@
   <p:clrMapOvr>
     <a:masterClrMapping/>
   </p:clrMapOvr>
+  <p:timing>
+    <p:tnLst>
+      <p:par>
+        <p:cTn id="1" dur="indefinite" restart="never" nodeType="tmRoot"/>
+      </p:par>
+    </p:tnLst>
+  </p:timing>
 </p:sld>
 </file>
 
@@ -15206,7 +15244,15 @@
           <a:p>
             <a:r>
               <a:rPr lang="hu-HU" dirty="0"/>
-              <a:t>Munkám az 4. héten</a:t>
+              <a:t>Munkám </a:t>
+            </a:r>
+            <a:r>
+              <a:rPr lang="hu-HU" dirty="0" smtClean="0"/>
+              <a:t>a </a:t>
+            </a:r>
+            <a:r>
+              <a:rPr lang="hu-HU" dirty="0"/>
+              <a:t>4. héten</a:t>
             </a:r>
           </a:p>
         </p:txBody>
@@ -15265,11 +15311,7 @@
             </a:r>
             <a:r>
               <a:rPr lang="hu-HU" sz="2000" dirty="0" smtClean="0"/>
-              <a:t> szerver</a:t>
-            </a:r>
-            <a:r>
-              <a:rPr lang="hu-HU" sz="2000" dirty="0" smtClean="0"/>
-              <a:t> </a:t>
+              <a:t> szerver </a:t>
             </a:r>
             <a:endParaRPr lang="hu-HU" sz="2000" dirty="0"/>
           </a:p>
@@ -15357,6 +15399,13 @@
   <p:clrMapOvr>
     <a:masterClrMapping/>
   </p:clrMapOvr>
+  <p:timing>
+    <p:tnLst>
+      <p:par>
+        <p:cTn id="1" dur="indefinite" restart="never" nodeType="tmRoot"/>
+      </p:par>
+    </p:tnLst>
+  </p:timing>
 </p:sld>
 </file>
 
@@ -16195,6 +16244,13 @@
   <p:clrMapOvr>
     <a:masterClrMapping/>
   </p:clrMapOvr>
+  <p:timing>
+    <p:tnLst>
+      <p:par>
+        <p:cTn id="1" dur="indefinite" restart="never" nodeType="tmRoot"/>
+      </p:par>
+    </p:tnLst>
+  </p:timing>
 </p:sld>
 </file>
 
@@ -16306,6 +16362,13 @@
   <p:clrMapOvr>
     <a:masterClrMapping/>
   </p:clrMapOvr>
+  <p:timing>
+    <p:tnLst>
+      <p:par>
+        <p:cTn id="1" dur="indefinite" restart="never" nodeType="tmRoot"/>
+      </p:par>
+    </p:tnLst>
+  </p:timing>
 </p:sld>
 </file>
 
@@ -16410,6 +16473,13 @@
   <p:clrMapOvr>
     <a:masterClrMapping/>
   </p:clrMapOvr>
+  <p:timing>
+    <p:tnLst>
+      <p:par>
+        <p:cTn id="1" dur="indefinite" restart="never" nodeType="tmRoot"/>
+      </p:par>
+    </p:tnLst>
+  </p:timing>
 </p:sld>
 </file>
 
@@ -17248,7 +17318,15 @@
             </a:pPr>
             <a:r>
               <a:rPr lang="hu-HU" dirty="0"/>
-              <a:t>Projekt állapota az 2. héten</a:t>
+              <a:t>Projekt állapota </a:t>
+            </a:r>
+            <a:r>
+              <a:rPr lang="hu-HU" dirty="0" smtClean="0"/>
+              <a:t>a </a:t>
+            </a:r>
+            <a:r>
+              <a:rPr lang="hu-HU" dirty="0"/>
+              <a:t>2. héten</a:t>
             </a:r>
             <a:endParaRPr dirty="0"/>
           </a:p>
@@ -17350,7 +17428,15 @@
           <a:p>
             <a:r>
               <a:rPr lang="hu-HU" dirty="0"/>
-              <a:t>Munkám az 2. héten</a:t>
+              <a:t>Munkám </a:t>
+            </a:r>
+            <a:r>
+              <a:rPr lang="hu-HU" dirty="0" smtClean="0"/>
+              <a:t>a </a:t>
+            </a:r>
+            <a:r>
+              <a:rPr lang="hu-HU" dirty="0"/>
+              <a:t>2. héten</a:t>
             </a:r>
           </a:p>
         </p:txBody>
@@ -17863,7 +17949,15 @@
             </a:pPr>
             <a:r>
               <a:rPr lang="hu-HU" dirty="0"/>
-              <a:t>Projekt állapota az 3. héten</a:t>
+              <a:t>Projekt állapota </a:t>
+            </a:r>
+            <a:r>
+              <a:rPr lang="hu-HU" dirty="0" smtClean="0"/>
+              <a:t>a </a:t>
+            </a:r>
+            <a:r>
+              <a:rPr lang="hu-HU" dirty="0"/>
+              <a:t>3. héten</a:t>
             </a:r>
             <a:endParaRPr dirty="0"/>
           </a:p>
